--- a/Presentations/Keysani_Sunum_Winding_Design_2023_06_13.pptx
+++ b/Presentations/Keysani_Sunum_Winding_Design_2023_06_13.pptx
@@ -25,8 +25,8 @@
     <p:sldId id="311" r:id="rId13"/>
     <p:sldId id="313" r:id="rId14"/>
     <p:sldId id="314" r:id="rId15"/>
-    <p:sldId id="315" r:id="rId16"/>
-    <p:sldId id="316" r:id="rId17"/>
+    <p:sldId id="318" r:id="rId16"/>
+    <p:sldId id="315" r:id="rId17"/>
     <p:sldId id="317" r:id="rId18"/>
     <p:sldId id="303" r:id="rId19"/>
   </p:sldIdLst>
@@ -283,7 +283,7 @@
               <a:pPr>
                 <a:defRPr/>
               </a:pPr>
-              <a:t>6/10/2023</a:t>
+              <a:t>6/12/2023</a:t>
             </a:fld>
             <a:endParaRPr lang="en-US"/>
           </a:p>
@@ -497,7 +497,7 @@
               <a:pPr>
                 <a:defRPr/>
               </a:pPr>
-              <a:t>6/10/2023</a:t>
+              <a:t>6/12/2023</a:t>
             </a:fld>
             <a:endParaRPr lang="en-US"/>
           </a:p>
@@ -5774,6 +5774,187 @@
           <p:cNvPr id="2" name="Title 1">
             <a:extLst>
               <a:ext uri="{FF2B5EF4-FFF2-40B4-BE49-F238E27FC236}">
+                <a16:creationId xmlns:a16="http://schemas.microsoft.com/office/drawing/2014/main" id="{806D4075-7C7D-46A6-B1D0-59E5E5943A5C}"/>
+              </a:ext>
+            </a:extLst>
+          </p:cNvPr>
+          <p:cNvSpPr>
+            <a:spLocks noGrp="1"/>
+          </p:cNvSpPr>
+          <p:nvPr>
+            <p:ph type="title"/>
+          </p:nvPr>
+        </p:nvSpPr>
+        <p:spPr/>
+        <p:txBody>
+          <a:bodyPr/>
+          <a:lstStyle/>
+          <a:p>
+            <a:r>
+              <a:rPr lang="tr-TR" dirty="0" err="1"/>
+              <a:t>Generator</a:t>
+            </a:r>
+            <a:r>
+              <a:rPr lang="tr-TR" dirty="0"/>
+              <a:t> </a:t>
+            </a:r>
+            <a:r>
+              <a:rPr lang="tr-TR" dirty="0" err="1"/>
+              <a:t>Winding</a:t>
+            </a:r>
+            <a:r>
+              <a:rPr lang="tr-TR" dirty="0"/>
+              <a:t> Assembly</a:t>
+            </a:r>
+            <a:endParaRPr lang="en-US" dirty="0"/>
+          </a:p>
+        </p:txBody>
+      </p:sp>
+      <p:sp>
+        <p:nvSpPr>
+          <p:cNvPr id="4" name="Slide Number Placeholder 3">
+            <a:extLst>
+              <a:ext uri="{FF2B5EF4-FFF2-40B4-BE49-F238E27FC236}">
+                <a16:creationId xmlns:a16="http://schemas.microsoft.com/office/drawing/2014/main" id="{D6D6779D-2ED7-47DC-9C4E-6E05099A702C}"/>
+              </a:ext>
+            </a:extLst>
+          </p:cNvPr>
+          <p:cNvSpPr>
+            <a:spLocks noGrp="1"/>
+          </p:cNvSpPr>
+          <p:nvPr>
+            <p:ph type="sldNum" sz="quarter" idx="12"/>
+          </p:nvPr>
+        </p:nvSpPr>
+        <p:spPr/>
+        <p:txBody>
+          <a:bodyPr/>
+          <a:lstStyle/>
+          <a:p>
+            <a:pPr>
+              <a:defRPr/>
+            </a:pPr>
+            <a:fld id="{C878F797-6006-4DDA-AFE9-456F280FE6C5}" type="slidenum">
+              <a:rPr lang="en-US" smtClean="0"/>
+              <a:pPr>
+                <a:defRPr/>
+              </a:pPr>
+              <a:t>15</a:t>
+            </a:fld>
+            <a:endParaRPr lang="en-US" dirty="0"/>
+          </a:p>
+        </p:txBody>
+      </p:sp>
+      <p:sp>
+        <p:nvSpPr>
+          <p:cNvPr id="5" name="Date Placeholder 4">
+            <a:extLst>
+              <a:ext uri="{FF2B5EF4-FFF2-40B4-BE49-F238E27FC236}">
+                <a16:creationId xmlns:a16="http://schemas.microsoft.com/office/drawing/2014/main" id="{82D2A308-1528-4731-AAEC-27E06538B83E}"/>
+              </a:ext>
+            </a:extLst>
+          </p:cNvPr>
+          <p:cNvSpPr>
+            <a:spLocks noGrp="1"/>
+          </p:cNvSpPr>
+          <p:nvPr>
+            <p:ph type="dt" sz="half" idx="2"/>
+          </p:nvPr>
+        </p:nvSpPr>
+        <p:spPr/>
+        <p:txBody>
+          <a:bodyPr/>
+          <a:lstStyle/>
+          <a:p>
+            <a:pPr>
+              <a:defRPr/>
+            </a:pPr>
+            <a:r>
+              <a:rPr lang="tr-TR"/>
+              <a:t>METU Electrical &amp; Electronics Engineering Department</a:t>
+            </a:r>
+            <a:endParaRPr lang="en-US" dirty="0"/>
+          </a:p>
+        </p:txBody>
+      </p:sp>
+      <p:pic>
+        <p:nvPicPr>
+          <p:cNvPr id="6" name="Content Placeholder 5">
+            <a:extLst>
+              <a:ext uri="{FF2B5EF4-FFF2-40B4-BE49-F238E27FC236}">
+                <a16:creationId xmlns:a16="http://schemas.microsoft.com/office/drawing/2014/main" id="{24582FDD-CE3A-4DC9-AEEE-180E97B39C5D}"/>
+              </a:ext>
+            </a:extLst>
+          </p:cNvPr>
+          <p:cNvPicPr>
+            <a:picLocks noGrp="1"/>
+          </p:cNvPicPr>
+          <p:nvPr>
+            <p:ph idx="1"/>
+          </p:nvPr>
+        </p:nvPicPr>
+        <p:blipFill>
+          <a:blip r:embed="rId2" cstate="print">
+            <a:extLst>
+              <a:ext uri="{28A0092B-C50C-407E-A947-70E740481C1C}">
+                <a14:useLocalDpi xmlns:a14="http://schemas.microsoft.com/office/drawing/2010/main" val="0"/>
+              </a:ext>
+            </a:extLst>
+          </a:blip>
+          <a:srcRect/>
+          <a:stretch>
+            <a:fillRect/>
+          </a:stretch>
+        </p:blipFill>
+        <p:spPr bwMode="auto">
+          <a:xfrm>
+            <a:off x="342900" y="1624497"/>
+            <a:ext cx="8229600" cy="4127658"/>
+          </a:xfrm>
+          <a:prstGeom prst="rect">
+            <a:avLst/>
+          </a:prstGeom>
+          <a:noFill/>
+          <a:ln>
+            <a:noFill/>
+          </a:ln>
+        </p:spPr>
+      </p:pic>
+    </p:spTree>
+    <p:extLst>
+      <p:ext uri="{BB962C8B-B14F-4D97-AF65-F5344CB8AC3E}">
+        <p14:creationId xmlns:p14="http://schemas.microsoft.com/office/powerpoint/2010/main" val="1339843539"/>
+      </p:ext>
+    </p:extLst>
+  </p:cSld>
+  <p:clrMapOvr>
+    <a:masterClrMapping/>
+  </p:clrMapOvr>
+</p:sld>
+</file>
+
+<file path=ppt/slides/slide16.xml><?xml version="1.0" encoding="utf-8"?>
+<p:sld xmlns:a="http://schemas.openxmlformats.org/drawingml/2006/main" xmlns:r="http://schemas.openxmlformats.org/officeDocument/2006/relationships" xmlns:p="http://schemas.openxmlformats.org/presentationml/2006/main">
+  <p:cSld>
+    <p:spTree>
+      <p:nvGrpSpPr>
+        <p:cNvPr id="1" name=""/>
+        <p:cNvGrpSpPr/>
+        <p:nvPr/>
+      </p:nvGrpSpPr>
+      <p:grpSpPr>
+        <a:xfrm>
+          <a:off x="0" y="0"/>
+          <a:ext cx="0" cy="0"/>
+          <a:chOff x="0" y="0"/>
+          <a:chExt cx="0" cy="0"/>
+        </a:xfrm>
+      </p:grpSpPr>
+      <p:sp>
+        <p:nvSpPr>
+          <p:cNvPr id="2" name="Title 1">
+            <a:extLst>
+              <a:ext uri="{FF2B5EF4-FFF2-40B4-BE49-F238E27FC236}">
                 <a16:creationId xmlns:a16="http://schemas.microsoft.com/office/drawing/2014/main" id="{A8F6B683-E5F4-422E-8D2B-28FF803EFBFD}"/>
               </a:ext>
             </a:extLst>
@@ -5868,7 +6049,7 @@
               <a:pPr>
                 <a:defRPr/>
               </a:pPr>
-              <a:t>15</a:t>
+              <a:t>16</a:t>
             </a:fld>
             <a:endParaRPr lang="en-US" dirty="0"/>
           </a:p>
@@ -5949,157 +6130,6 @@
 </p:sld>
 </file>
 
-<file path=ppt/slides/slide16.xml><?xml version="1.0" encoding="utf-8"?>
-<p:sld xmlns:a="http://schemas.openxmlformats.org/drawingml/2006/main" xmlns:r="http://schemas.openxmlformats.org/officeDocument/2006/relationships" xmlns:p="http://schemas.openxmlformats.org/presentationml/2006/main">
-  <p:cSld>
-    <p:spTree>
-      <p:nvGrpSpPr>
-        <p:cNvPr id="1" name=""/>
-        <p:cNvGrpSpPr/>
-        <p:nvPr/>
-      </p:nvGrpSpPr>
-      <p:grpSpPr>
-        <a:xfrm>
-          <a:off x="0" y="0"/>
-          <a:ext cx="0" cy="0"/>
-          <a:chOff x="0" y="0"/>
-          <a:chExt cx="0" cy="0"/>
-        </a:xfrm>
-      </p:grpSpPr>
-      <p:sp>
-        <p:nvSpPr>
-          <p:cNvPr id="2" name="Title 1">
-            <a:extLst>
-              <a:ext uri="{FF2B5EF4-FFF2-40B4-BE49-F238E27FC236}">
-                <a16:creationId xmlns:a16="http://schemas.microsoft.com/office/drawing/2014/main" id="{1BD93B5C-4F24-47A9-B308-8D67E86FA492}"/>
-              </a:ext>
-            </a:extLst>
-          </p:cNvPr>
-          <p:cNvSpPr>
-            <a:spLocks noGrp="1"/>
-          </p:cNvSpPr>
-          <p:nvPr>
-            <p:ph type="title"/>
-          </p:nvPr>
-        </p:nvSpPr>
-        <p:spPr/>
-        <p:txBody>
-          <a:bodyPr/>
-          <a:lstStyle/>
-          <a:p>
-            <a:r>
-              <a:rPr lang="tr-TR" dirty="0" err="1"/>
-              <a:t>Conclusion</a:t>
-            </a:r>
-            <a:endParaRPr lang="en-US" dirty="0"/>
-          </a:p>
-        </p:txBody>
-      </p:sp>
-      <p:sp>
-        <p:nvSpPr>
-          <p:cNvPr id="3" name="Content Placeholder 2">
-            <a:extLst>
-              <a:ext uri="{FF2B5EF4-FFF2-40B4-BE49-F238E27FC236}">
-                <a16:creationId xmlns:a16="http://schemas.microsoft.com/office/drawing/2014/main" id="{4661E99A-6D13-4DBA-B06E-552DAE94AAFC}"/>
-              </a:ext>
-            </a:extLst>
-          </p:cNvPr>
-          <p:cNvSpPr>
-            <a:spLocks noGrp="1"/>
-          </p:cNvSpPr>
-          <p:nvPr>
-            <p:ph idx="1"/>
-          </p:nvPr>
-        </p:nvSpPr>
-        <p:spPr/>
-        <p:txBody>
-          <a:bodyPr/>
-          <a:lstStyle/>
-          <a:p>
-            <a:endParaRPr lang="en-US" dirty="0"/>
-          </a:p>
-        </p:txBody>
-      </p:sp>
-      <p:sp>
-        <p:nvSpPr>
-          <p:cNvPr id="4" name="Slide Number Placeholder 3">
-            <a:extLst>
-              <a:ext uri="{FF2B5EF4-FFF2-40B4-BE49-F238E27FC236}">
-                <a16:creationId xmlns:a16="http://schemas.microsoft.com/office/drawing/2014/main" id="{E381D8E3-3663-4A45-A4B3-5C76796A3551}"/>
-              </a:ext>
-            </a:extLst>
-          </p:cNvPr>
-          <p:cNvSpPr>
-            <a:spLocks noGrp="1"/>
-          </p:cNvSpPr>
-          <p:nvPr>
-            <p:ph type="sldNum" sz="quarter" idx="12"/>
-          </p:nvPr>
-        </p:nvSpPr>
-        <p:spPr/>
-        <p:txBody>
-          <a:bodyPr/>
-          <a:lstStyle/>
-          <a:p>
-            <a:pPr>
-              <a:defRPr/>
-            </a:pPr>
-            <a:fld id="{C878F797-6006-4DDA-AFE9-456F280FE6C5}" type="slidenum">
-              <a:rPr lang="en-US" smtClean="0"/>
-              <a:pPr>
-                <a:defRPr/>
-              </a:pPr>
-              <a:t>16</a:t>
-            </a:fld>
-            <a:endParaRPr lang="en-US" dirty="0"/>
-          </a:p>
-        </p:txBody>
-      </p:sp>
-      <p:sp>
-        <p:nvSpPr>
-          <p:cNvPr id="5" name="Date Placeholder 4">
-            <a:extLst>
-              <a:ext uri="{FF2B5EF4-FFF2-40B4-BE49-F238E27FC236}">
-                <a16:creationId xmlns:a16="http://schemas.microsoft.com/office/drawing/2014/main" id="{AD29ECF7-09E0-485A-B996-246956697769}"/>
-              </a:ext>
-            </a:extLst>
-          </p:cNvPr>
-          <p:cNvSpPr>
-            <a:spLocks noGrp="1"/>
-          </p:cNvSpPr>
-          <p:nvPr>
-            <p:ph type="dt" sz="half" idx="2"/>
-          </p:nvPr>
-        </p:nvSpPr>
-        <p:spPr/>
-        <p:txBody>
-          <a:bodyPr/>
-          <a:lstStyle/>
-          <a:p>
-            <a:pPr>
-              <a:defRPr/>
-            </a:pPr>
-            <a:r>
-              <a:rPr lang="tr-TR"/>
-              <a:t>METU Electrical &amp; Electronics Engineering Department</a:t>
-            </a:r>
-            <a:endParaRPr lang="en-US" dirty="0"/>
-          </a:p>
-        </p:txBody>
-      </p:sp>
-    </p:spTree>
-    <p:extLst>
-      <p:ext uri="{BB962C8B-B14F-4D97-AF65-F5344CB8AC3E}">
-        <p14:creationId xmlns:p14="http://schemas.microsoft.com/office/powerpoint/2010/main" val="3264781834"/>
-      </p:ext>
-    </p:extLst>
-  </p:cSld>
-  <p:clrMapOvr>
-    <a:masterClrMapping/>
-  </p:clrMapOvr>
-</p:sld>
-</file>
-
 <file path=ppt/slides/slide17.xml><?xml version="1.0" encoding="utf-8"?>
 <p:sld xmlns:a="http://schemas.openxmlformats.org/drawingml/2006/main" xmlns:r="http://schemas.openxmlformats.org/officeDocument/2006/relationships" xmlns:p="http://schemas.openxmlformats.org/presentationml/2006/main">
   <p:cSld>
@@ -6253,6 +6283,32 @@
             <a:endParaRPr lang="tr-TR" dirty="0"/>
           </a:p>
           <a:p>
+            <a:pPr marL="342900" indent="-342900">
+              <a:buFont typeface="Wingdings" panose="05000000000000000000" pitchFamily="2" charset="2"/>
+              <a:buChar char="Ø"/>
+            </a:pPr>
+            <a:r>
+              <a:rPr lang="tr-TR" dirty="0"/>
+              <a:t>FEA Training </a:t>
+            </a:r>
+            <a:r>
+              <a:rPr lang="tr-TR" dirty="0" err="1"/>
+              <a:t>Videos</a:t>
+            </a:r>
+            <a:r>
+              <a:rPr lang="tr-TR" dirty="0"/>
+              <a:t> (</a:t>
+            </a:r>
+            <a:r>
+              <a:rPr lang="tr-TR" dirty="0" err="1"/>
+              <a:t>cont</a:t>
+            </a:r>
+            <a:r>
+              <a:rPr lang="tr-TR" dirty="0"/>
+              <a:t>.)</a:t>
+            </a:r>
+          </a:p>
+          <a:p>
             <a:endParaRPr lang="en-US" dirty="0">
               <a:solidFill>
                 <a:srgbClr val="FF0000"/>
@@ -6561,7 +6617,7 @@
         <p:spPr bwMode="auto">
           <a:xfrm>
             <a:off x="457199" y="3406297"/>
-            <a:ext cx="8229600" cy="1305242"/>
+            <a:ext cx="8229600" cy="1500000"/>
           </a:xfrm>
           <a:prstGeom prst="rect">
             <a:avLst/>
@@ -6902,6 +6958,49 @@
                 </a:solidFill>
               </a:rPr>
               <a:t>June</a:t>
+            </a:r>
+            <a:endParaRPr lang="tr-TR" dirty="0">
+              <a:solidFill>
+                <a:srgbClr val="FF0000"/>
+              </a:solidFill>
+            </a:endParaRPr>
+          </a:p>
+          <a:p>
+            <a:pPr marL="342900" indent="-342900" defTabSz="914400">
+              <a:buFont typeface="Wingdings" panose="05000000000000000000" pitchFamily="2" charset="2"/>
+              <a:buChar char="Ø"/>
+            </a:pPr>
+            <a:r>
+              <a:rPr lang="tr-TR" dirty="0">
+                <a:solidFill>
+                  <a:srgbClr val="FF0000"/>
+                </a:solidFill>
+              </a:rPr>
+              <a:t>Advanced Design </a:t>
+            </a:r>
+            <a:r>
+              <a:rPr lang="tr-TR" dirty="0" err="1">
+                <a:solidFill>
+                  <a:srgbClr val="FF0000"/>
+                </a:solidFill>
+              </a:rPr>
+              <a:t>and</a:t>
+            </a:r>
+            <a:r>
+              <a:rPr lang="tr-TR" dirty="0">
+                <a:solidFill>
+                  <a:srgbClr val="FF0000"/>
+                </a:solidFill>
+              </a:rPr>
+              <a:t> </a:t>
+            </a:r>
+            <a:r>
+              <a:rPr lang="tr-TR" dirty="0" err="1">
+                <a:solidFill>
+                  <a:srgbClr val="FF0000"/>
+                </a:solidFill>
+              </a:rPr>
+              <a:t>Optimization</a:t>
             </a:r>
             <a:endParaRPr lang="en-US" dirty="0">
               <a:solidFill>
@@ -7024,7 +7123,7 @@
               <a:rPr lang="tr-TR" sz="1400" b="1" dirty="0">
                 <a:latin typeface="Century Gothic" panose="020B0502020202020204" pitchFamily="34" charset="0"/>
               </a:rPr>
-              <a:t>13.06.2023</a:t>
+              <a:t>12.06.2023</a:t>
             </a:r>
             <a:endParaRPr lang="en-US" sz="1400" b="1" dirty="0">
               <a:latin typeface="Century Gothic" panose="020B0502020202020204" pitchFamily="34" charset="0"/>
@@ -7217,7 +7316,7 @@
         </p:nvSpPr>
         <p:spPr>
           <a:xfrm>
-            <a:off x="4839927" y="2067234"/>
+            <a:off x="4918585" y="3205027"/>
             <a:ext cx="3723970" cy="683342"/>
           </a:xfrm>
           <a:prstGeom prst="rect">
@@ -7256,7 +7355,7 @@
               <a:rPr lang="tr-TR" b="1" dirty="0">
                 <a:latin typeface="Century Gothic" panose="020B0502020202020204" pitchFamily="34" charset="0"/>
               </a:rPr>
-              <a:t>3D/2D </a:t>
+              <a:t>3D/2D FEA Model </a:t>
             </a:r>
             <a:r>
               <a:rPr lang="tr-TR" b="1" dirty="0" err="1">
@@ -7336,6 +7435,61 @@
           </a:prstGeom>
         </p:spPr>
       </p:pic>
+      <p:sp>
+        <p:nvSpPr>
+          <p:cNvPr id="8" name="Rectangle 7">
+            <a:extLst>
+              <a:ext uri="{FF2B5EF4-FFF2-40B4-BE49-F238E27FC236}">
+                <a16:creationId xmlns:a16="http://schemas.microsoft.com/office/drawing/2014/main" id="{FCEEE5FE-A17C-4A98-9C1F-AC8DB6916B9A}"/>
+              </a:ext>
+            </a:extLst>
+          </p:cNvPr>
+          <p:cNvSpPr/>
+          <p:nvPr/>
+        </p:nvSpPr>
+        <p:spPr>
+          <a:xfrm>
+            <a:off x="4918585" y="2123624"/>
+            <a:ext cx="3723970" cy="683342"/>
+          </a:xfrm>
+          <a:prstGeom prst="rect">
+            <a:avLst/>
+          </a:prstGeom>
+          <a:solidFill>
+            <a:srgbClr val="D0112B"/>
+          </a:solidFill>
+          <a:ln>
+            <a:solidFill>
+              <a:srgbClr val="D0112B"/>
+            </a:solidFill>
+          </a:ln>
+          <a:effectLst/>
+        </p:spPr>
+        <p:style>
+          <a:lnRef idx="1">
+            <a:schemeClr val="accent1"/>
+          </a:lnRef>
+          <a:fillRef idx="3">
+            <a:schemeClr val="accent1"/>
+          </a:fillRef>
+          <a:effectRef idx="2">
+            <a:schemeClr val="accent1"/>
+          </a:effectRef>
+          <a:fontRef idx="minor">
+            <a:schemeClr val="lt1"/>
+          </a:fontRef>
+        </p:style>
+        <p:txBody>
+          <a:bodyPr rtlCol="0" anchor="ctr"/>
+          <a:lstStyle/>
+          <a:p>
+            <a:pPr algn="ctr"/>
+            <a:endParaRPr lang="en-US" b="1" dirty="0">
+              <a:latin typeface="Century Gothic" panose="020B0502020202020204" pitchFamily="34" charset="0"/>
+            </a:endParaRPr>
+          </a:p>
+        </p:txBody>
+      </p:sp>
     </p:spTree>
     <p:extLst>
       <p:ext uri="{BB962C8B-B14F-4D97-AF65-F5344CB8AC3E}">
@@ -7526,7 +7680,23 @@
             </a:pPr>
             <a:r>
               <a:rPr lang="tr-TR" dirty="0" err="1"/>
-              <a:t>Conclusion</a:t>
+              <a:t>Past</a:t>
+            </a:r>
+            <a:r>
+              <a:rPr lang="tr-TR" dirty="0"/>
+              <a:t> &amp; </a:t>
+            </a:r>
+            <a:r>
+              <a:rPr lang="tr-TR" dirty="0" err="1"/>
+              <a:t>Future</a:t>
+            </a:r>
+            <a:r>
+              <a:rPr lang="tr-TR" dirty="0"/>
+              <a:t> </a:t>
+            </a:r>
+            <a:r>
+              <a:rPr lang="tr-TR" dirty="0" err="1"/>
+              <a:t>Plans</a:t>
             </a:r>
             <a:endParaRPr lang="tr-TR" dirty="0"/>
           </a:p>
@@ -8076,13 +8246,13 @@
         </p:nvPicPr>
         <p:blipFill rotWithShape="1">
           <a:blip r:embed="rId2"/>
-          <a:srcRect l="15592"/>
+          <a:srcRect l="15592" r="59262"/>
           <a:stretch/>
         </p:blipFill>
         <p:spPr>
           <a:xfrm>
-            <a:off x="0" y="2907890"/>
-            <a:ext cx="4572000" cy="3094990"/>
+            <a:off x="2457449" y="2907890"/>
+            <a:ext cx="1362075" cy="3094990"/>
           </a:xfrm>
           <a:prstGeom prst="rect">
             <a:avLst/>
@@ -8103,13 +8273,13 @@
         </p:nvPicPr>
         <p:blipFill rotWithShape="1">
           <a:blip r:embed="rId3"/>
-          <a:srcRect l="10298"/>
+          <a:srcRect l="10298" r="61296"/>
           <a:stretch/>
         </p:blipFill>
         <p:spPr>
           <a:xfrm>
             <a:off x="4572000" y="2618330"/>
-            <a:ext cx="4572000" cy="3384550"/>
+            <a:ext cx="1447800" cy="3384550"/>
           </a:xfrm>
           <a:prstGeom prst="rect">
             <a:avLst/>
@@ -8374,7 +8544,7 @@
         </p:blipFill>
         <p:spPr>
           <a:xfrm>
-            <a:off x="457200" y="1860471"/>
+            <a:off x="457199" y="1460421"/>
             <a:ext cx="8229600" cy="4127658"/>
           </a:xfrm>
         </p:spPr>
@@ -8443,6 +8613,92 @@
               <a:t>METU Electrical &amp; Electronics Engineering Department</a:t>
             </a:r>
             <a:endParaRPr lang="en-US" dirty="0"/>
+          </a:p>
+        </p:txBody>
+      </p:sp>
+      <p:sp>
+        <p:nvSpPr>
+          <p:cNvPr id="3" name="TextBox 2">
+            <a:extLst>
+              <a:ext uri="{FF2B5EF4-FFF2-40B4-BE49-F238E27FC236}">
+                <a16:creationId xmlns:a16="http://schemas.microsoft.com/office/drawing/2014/main" id="{82CEE57B-C407-489F-9FAA-E63746E74071}"/>
+              </a:ext>
+            </a:extLst>
+          </p:cNvPr>
+          <p:cNvSpPr txBox="1"/>
+          <p:nvPr/>
+        </p:nvSpPr>
+        <p:spPr>
+          <a:xfrm>
+            <a:off x="533400" y="5588079"/>
+            <a:ext cx="8191500" cy="523220"/>
+          </a:xfrm>
+          <a:prstGeom prst="rect">
+            <a:avLst/>
+          </a:prstGeom>
+          <a:noFill/>
+        </p:spPr>
+        <p:txBody>
+          <a:bodyPr wrap="square" rtlCol="0">
+            <a:spAutoFit/>
+          </a:bodyPr>
+          <a:lstStyle/>
+          <a:p>
+            <a:pPr marL="285750" indent="-285750">
+              <a:buFont typeface="Wingdings" panose="05000000000000000000" pitchFamily="2" charset="2"/>
+              <a:buChar char="Ø"/>
+            </a:pPr>
+            <a:r>
+              <a:rPr lang="tr-TR" sz="1400" dirty="0">
+                <a:latin typeface="Century Gothic" panose="020B0502020202020204" pitchFamily="34" charset="0"/>
+              </a:rPr>
+              <a:t>Model </a:t>
+            </a:r>
+            <a:r>
+              <a:rPr lang="tr-TR" sz="1400" dirty="0" err="1">
+                <a:latin typeface="Century Gothic" panose="020B0502020202020204" pitchFamily="34" charset="0"/>
+              </a:rPr>
+              <a:t>depth</a:t>
+            </a:r>
+            <a:r>
+              <a:rPr lang="tr-TR" sz="1400" dirty="0">
+                <a:latin typeface="Century Gothic" panose="020B0502020202020204" pitchFamily="34" charset="0"/>
+              </a:rPr>
+              <a:t> in 2D is 913.46 mm</a:t>
+            </a:r>
+          </a:p>
+          <a:p>
+            <a:pPr marL="285750" indent="-285750">
+              <a:buFont typeface="Wingdings" panose="05000000000000000000" pitchFamily="2" charset="2"/>
+              <a:buChar char="Ø"/>
+            </a:pPr>
+            <a:r>
+              <a:rPr lang="tr-TR" sz="1400" dirty="0" err="1">
+                <a:latin typeface="Century Gothic" panose="020B0502020202020204" pitchFamily="34" charset="0"/>
+              </a:rPr>
+              <a:t>Calibrated</a:t>
+            </a:r>
+            <a:r>
+              <a:rPr lang="tr-TR" sz="1400" dirty="0">
+                <a:latin typeface="Century Gothic" panose="020B0502020202020204" pitchFamily="34" charset="0"/>
+              </a:rPr>
+              <a:t> model </a:t>
+            </a:r>
+            <a:r>
+              <a:rPr lang="tr-TR" sz="1400" dirty="0" err="1">
+                <a:latin typeface="Century Gothic" panose="020B0502020202020204" pitchFamily="34" charset="0"/>
+              </a:rPr>
+              <a:t>depth</a:t>
+            </a:r>
+            <a:r>
+              <a:rPr lang="tr-TR" sz="1400" dirty="0">
+                <a:latin typeface="Century Gothic" panose="020B0502020202020204" pitchFamily="34" charset="0"/>
+              </a:rPr>
+              <a:t> is 840 mm</a:t>
+            </a:r>
+            <a:endParaRPr lang="en-US" sz="1400" dirty="0">
+              <a:latin typeface="Century Gothic" panose="020B0502020202020204" pitchFamily="34" charset="0"/>
+            </a:endParaRPr>
           </a:p>
         </p:txBody>
       </p:sp>
@@ -8606,7 +8862,7 @@
         </p:blipFill>
         <p:spPr>
           <a:xfrm>
-            <a:off x="457200" y="1860471"/>
+            <a:off x="457199" y="1669971"/>
             <a:ext cx="8229600" cy="4127658"/>
           </a:xfrm>
           <a:prstGeom prst="rect">
